--- a/ppt 16-9/1431.不要爱世界.pptx
+++ b/ppt 16-9/1431.不要爱世界.pptx
@@ -5,7 +5,7 @@
     <p:sldMasterId id="2147483648" r:id="rId1"/>
   </p:sldMasterIdLst>
   <p:sldIdLst>
-    <p:sldId id="1002" r:id="rId2"/>
+    <p:sldId id="1003" r:id="rId2"/>
   </p:sldIdLst>
   <p:sldSz cx="12192000" cy="6858000"/>
   <p:notesSz cx="6858000" cy="9144000"/>
@@ -129,7 +129,7 @@
           <p:cNvPr id="2" name="标题 1">
             <a:extLst>
               <a:ext uri="{FF2B5EF4-FFF2-40B4-BE49-F238E27FC236}">
-                <a16:creationId xmlns:a16="http://schemas.microsoft.com/office/drawing/2014/main" id="{81A89CDE-00DD-6A21-10B4-3C83B8076BC8}"/>
+                <a16:creationId xmlns:a16="http://schemas.microsoft.com/office/drawing/2014/main" id="{3779D4E8-BA86-10D1-9E65-B2457A6C3E66}"/>
               </a:ext>
             </a:extLst>
           </p:cNvPr>
@@ -166,7 +166,7 @@
           <p:cNvPr id="3" name="副标题 2">
             <a:extLst>
               <a:ext uri="{FF2B5EF4-FFF2-40B4-BE49-F238E27FC236}">
-                <a16:creationId xmlns:a16="http://schemas.microsoft.com/office/drawing/2014/main" id="{01DD68AD-2C1A-464C-C390-F850C4CE9DFA}"/>
+                <a16:creationId xmlns:a16="http://schemas.microsoft.com/office/drawing/2014/main" id="{88AA67A8-BD08-EA57-439B-488C3F8F60E2}"/>
               </a:ext>
             </a:extLst>
           </p:cNvPr>
@@ -236,7 +236,7 @@
           <p:cNvPr id="4" name="日期占位符 3">
             <a:extLst>
               <a:ext uri="{FF2B5EF4-FFF2-40B4-BE49-F238E27FC236}">
-                <a16:creationId xmlns:a16="http://schemas.microsoft.com/office/drawing/2014/main" id="{3DB5BF7B-A291-5326-00E3-41059867C4CA}"/>
+                <a16:creationId xmlns:a16="http://schemas.microsoft.com/office/drawing/2014/main" id="{2318B59C-DA14-2634-6BA5-084C5C7F359C}"/>
               </a:ext>
             </a:extLst>
           </p:cNvPr>
@@ -252,7 +252,7 @@
           <a:bodyPr/>
           <a:lstStyle/>
           <a:p>
-            <a:fld id="{9C76D520-7FC2-48E3-A81F-19EBCA95BAE5}" type="datetimeFigureOut">
+            <a:fld id="{67F84D2A-2DC7-4C5F-AEDF-7634F332B82E}" type="datetimeFigureOut">
               <a:rPr lang="zh-CN" altLang="en-US" smtClean="0"/>
               <a:t>2024/3/10</a:t>
             </a:fld>
@@ -265,7 +265,7 @@
           <p:cNvPr id="5" name="页脚占位符 4">
             <a:extLst>
               <a:ext uri="{FF2B5EF4-FFF2-40B4-BE49-F238E27FC236}">
-                <a16:creationId xmlns:a16="http://schemas.microsoft.com/office/drawing/2014/main" id="{B830AFBE-DADF-9307-DB00-8F62061E46B7}"/>
+                <a16:creationId xmlns:a16="http://schemas.microsoft.com/office/drawing/2014/main" id="{A69F310A-FD13-E332-370B-7EAE14C73529}"/>
               </a:ext>
             </a:extLst>
           </p:cNvPr>
@@ -290,7 +290,7 @@
           <p:cNvPr id="6" name="灯片编号占位符 5">
             <a:extLst>
               <a:ext uri="{FF2B5EF4-FFF2-40B4-BE49-F238E27FC236}">
-                <a16:creationId xmlns:a16="http://schemas.microsoft.com/office/drawing/2014/main" id="{278CA3E7-938D-6E54-0125-869AB45D4E03}"/>
+                <a16:creationId xmlns:a16="http://schemas.microsoft.com/office/drawing/2014/main" id="{62E8ECDC-1868-FF6E-82CB-FE53072E4F83}"/>
               </a:ext>
             </a:extLst>
           </p:cNvPr>
@@ -306,7 +306,7 @@
           <a:bodyPr/>
           <a:lstStyle/>
           <a:p>
-            <a:fld id="{A8663CAD-D0F2-42FD-BDFD-41EF8FF4F575}" type="slidenum">
+            <a:fld id="{56E6244B-DCEE-4305-8125-C3E8E1E564E1}" type="slidenum">
               <a:rPr lang="zh-CN" altLang="en-US" smtClean="0"/>
               <a:t>‹#›</a:t>
             </a:fld>
@@ -317,7 +317,7 @@
     </p:spTree>
     <p:extLst>
       <p:ext uri="{BB962C8B-B14F-4D97-AF65-F5344CB8AC3E}">
-        <p14:creationId xmlns:p14="http://schemas.microsoft.com/office/powerpoint/2010/main" val="880381471"/>
+        <p14:creationId xmlns:p14="http://schemas.microsoft.com/office/powerpoint/2010/main" val="2211066441"/>
       </p:ext>
     </p:extLst>
   </p:cSld>
@@ -349,7 +349,7 @@
           <p:cNvPr id="2" name="标题 1">
             <a:extLst>
               <a:ext uri="{FF2B5EF4-FFF2-40B4-BE49-F238E27FC236}">
-                <a16:creationId xmlns:a16="http://schemas.microsoft.com/office/drawing/2014/main" id="{E9AEC0FA-C826-82F7-D679-36691CEC52FF}"/>
+                <a16:creationId xmlns:a16="http://schemas.microsoft.com/office/drawing/2014/main" id="{407ADA62-5A93-1FC0-648F-B7D11E5C565C}"/>
               </a:ext>
             </a:extLst>
           </p:cNvPr>
@@ -377,7 +377,7 @@
           <p:cNvPr id="3" name="竖排文字占位符 2">
             <a:extLst>
               <a:ext uri="{FF2B5EF4-FFF2-40B4-BE49-F238E27FC236}">
-                <a16:creationId xmlns:a16="http://schemas.microsoft.com/office/drawing/2014/main" id="{62E2F38E-64DD-758D-C8E4-C96BF7BD66E0}"/>
+                <a16:creationId xmlns:a16="http://schemas.microsoft.com/office/drawing/2014/main" id="{0A5BC457-73D9-5C59-9227-3B5948D463CD}"/>
               </a:ext>
             </a:extLst>
           </p:cNvPr>
@@ -434,7 +434,7 @@
           <p:cNvPr id="4" name="日期占位符 3">
             <a:extLst>
               <a:ext uri="{FF2B5EF4-FFF2-40B4-BE49-F238E27FC236}">
-                <a16:creationId xmlns:a16="http://schemas.microsoft.com/office/drawing/2014/main" id="{271EC922-BAC7-4AE8-1251-1F757FECF6A7}"/>
+                <a16:creationId xmlns:a16="http://schemas.microsoft.com/office/drawing/2014/main" id="{D87AC026-190E-9501-879A-24B27C812F00}"/>
               </a:ext>
             </a:extLst>
           </p:cNvPr>
@@ -450,7 +450,7 @@
           <a:bodyPr/>
           <a:lstStyle/>
           <a:p>
-            <a:fld id="{9C76D520-7FC2-48E3-A81F-19EBCA95BAE5}" type="datetimeFigureOut">
+            <a:fld id="{67F84D2A-2DC7-4C5F-AEDF-7634F332B82E}" type="datetimeFigureOut">
               <a:rPr lang="zh-CN" altLang="en-US" smtClean="0"/>
               <a:t>2024/3/10</a:t>
             </a:fld>
@@ -463,7 +463,7 @@
           <p:cNvPr id="5" name="页脚占位符 4">
             <a:extLst>
               <a:ext uri="{FF2B5EF4-FFF2-40B4-BE49-F238E27FC236}">
-                <a16:creationId xmlns:a16="http://schemas.microsoft.com/office/drawing/2014/main" id="{1919090E-ADB2-562A-F56E-291E51EB27C2}"/>
+                <a16:creationId xmlns:a16="http://schemas.microsoft.com/office/drawing/2014/main" id="{6D5C44B7-F775-93B7-8794-A80044106A5C}"/>
               </a:ext>
             </a:extLst>
           </p:cNvPr>
@@ -488,7 +488,7 @@
           <p:cNvPr id="6" name="灯片编号占位符 5">
             <a:extLst>
               <a:ext uri="{FF2B5EF4-FFF2-40B4-BE49-F238E27FC236}">
-                <a16:creationId xmlns:a16="http://schemas.microsoft.com/office/drawing/2014/main" id="{E3766721-4082-C2F7-2C2C-10109D28F5C1}"/>
+                <a16:creationId xmlns:a16="http://schemas.microsoft.com/office/drawing/2014/main" id="{D426719A-B333-12A2-FC93-B585CDE2AE92}"/>
               </a:ext>
             </a:extLst>
           </p:cNvPr>
@@ -504,7 +504,7 @@
           <a:bodyPr/>
           <a:lstStyle/>
           <a:p>
-            <a:fld id="{A8663CAD-D0F2-42FD-BDFD-41EF8FF4F575}" type="slidenum">
+            <a:fld id="{56E6244B-DCEE-4305-8125-C3E8E1E564E1}" type="slidenum">
               <a:rPr lang="zh-CN" altLang="en-US" smtClean="0"/>
               <a:t>‹#›</a:t>
             </a:fld>
@@ -515,7 +515,7 @@
     </p:spTree>
     <p:extLst>
       <p:ext uri="{BB962C8B-B14F-4D97-AF65-F5344CB8AC3E}">
-        <p14:creationId xmlns:p14="http://schemas.microsoft.com/office/powerpoint/2010/main" val="1612973097"/>
+        <p14:creationId xmlns:p14="http://schemas.microsoft.com/office/powerpoint/2010/main" val="3633066657"/>
       </p:ext>
     </p:extLst>
   </p:cSld>
@@ -547,7 +547,7 @@
           <p:cNvPr id="2" name="竖排标题 1">
             <a:extLst>
               <a:ext uri="{FF2B5EF4-FFF2-40B4-BE49-F238E27FC236}">
-                <a16:creationId xmlns:a16="http://schemas.microsoft.com/office/drawing/2014/main" id="{F05A9661-A50A-74E3-388C-A14412C6B863}"/>
+                <a16:creationId xmlns:a16="http://schemas.microsoft.com/office/drawing/2014/main" id="{A4DFF40D-5943-2E55-DAAF-4EDD369CC6A8}"/>
               </a:ext>
             </a:extLst>
           </p:cNvPr>
@@ -580,7 +580,7 @@
           <p:cNvPr id="3" name="竖排文字占位符 2">
             <a:extLst>
               <a:ext uri="{FF2B5EF4-FFF2-40B4-BE49-F238E27FC236}">
-                <a16:creationId xmlns:a16="http://schemas.microsoft.com/office/drawing/2014/main" id="{CC504C18-0D5D-8938-DE6C-A4A540E12441}"/>
+                <a16:creationId xmlns:a16="http://schemas.microsoft.com/office/drawing/2014/main" id="{12BFD465-299C-4868-72A0-7406F8F6E071}"/>
               </a:ext>
             </a:extLst>
           </p:cNvPr>
@@ -642,7 +642,7 @@
           <p:cNvPr id="4" name="日期占位符 3">
             <a:extLst>
               <a:ext uri="{FF2B5EF4-FFF2-40B4-BE49-F238E27FC236}">
-                <a16:creationId xmlns:a16="http://schemas.microsoft.com/office/drawing/2014/main" id="{35419986-05A9-60C8-7CEF-29BFA7AB1537}"/>
+                <a16:creationId xmlns:a16="http://schemas.microsoft.com/office/drawing/2014/main" id="{C10791DA-B1B2-4795-A966-28A4420EE6F5}"/>
               </a:ext>
             </a:extLst>
           </p:cNvPr>
@@ -658,7 +658,7 @@
           <a:bodyPr/>
           <a:lstStyle/>
           <a:p>
-            <a:fld id="{9C76D520-7FC2-48E3-A81F-19EBCA95BAE5}" type="datetimeFigureOut">
+            <a:fld id="{67F84D2A-2DC7-4C5F-AEDF-7634F332B82E}" type="datetimeFigureOut">
               <a:rPr lang="zh-CN" altLang="en-US" smtClean="0"/>
               <a:t>2024/3/10</a:t>
             </a:fld>
@@ -671,7 +671,7 @@
           <p:cNvPr id="5" name="页脚占位符 4">
             <a:extLst>
               <a:ext uri="{FF2B5EF4-FFF2-40B4-BE49-F238E27FC236}">
-                <a16:creationId xmlns:a16="http://schemas.microsoft.com/office/drawing/2014/main" id="{8727F14E-F1A5-1F43-A796-FD984C9D19A6}"/>
+                <a16:creationId xmlns:a16="http://schemas.microsoft.com/office/drawing/2014/main" id="{E6F2BF95-3F7F-5D77-5E33-AD8DCC4BAEA4}"/>
               </a:ext>
             </a:extLst>
           </p:cNvPr>
@@ -696,7 +696,7 @@
           <p:cNvPr id="6" name="灯片编号占位符 5">
             <a:extLst>
               <a:ext uri="{FF2B5EF4-FFF2-40B4-BE49-F238E27FC236}">
-                <a16:creationId xmlns:a16="http://schemas.microsoft.com/office/drawing/2014/main" id="{4D8F6D7A-2855-3BA3-CF1A-77FE7FD163F4}"/>
+                <a16:creationId xmlns:a16="http://schemas.microsoft.com/office/drawing/2014/main" id="{D72439B4-3E4A-0496-716F-509EE5C1591F}"/>
               </a:ext>
             </a:extLst>
           </p:cNvPr>
@@ -712,7 +712,7 @@
           <a:bodyPr/>
           <a:lstStyle/>
           <a:p>
-            <a:fld id="{A8663CAD-D0F2-42FD-BDFD-41EF8FF4F575}" type="slidenum">
+            <a:fld id="{56E6244B-DCEE-4305-8125-C3E8E1E564E1}" type="slidenum">
               <a:rPr lang="zh-CN" altLang="en-US" smtClean="0"/>
               <a:t>‹#›</a:t>
             </a:fld>
@@ -723,7 +723,7 @@
     </p:spTree>
     <p:extLst>
       <p:ext uri="{BB962C8B-B14F-4D97-AF65-F5344CB8AC3E}">
-        <p14:creationId xmlns:p14="http://schemas.microsoft.com/office/powerpoint/2010/main" val="3006916802"/>
+        <p14:creationId xmlns:p14="http://schemas.microsoft.com/office/powerpoint/2010/main" val="2622899697"/>
       </p:ext>
     </p:extLst>
   </p:cSld>
@@ -755,7 +755,7 @@
           <p:cNvPr id="2" name="标题 1">
             <a:extLst>
               <a:ext uri="{FF2B5EF4-FFF2-40B4-BE49-F238E27FC236}">
-                <a16:creationId xmlns:a16="http://schemas.microsoft.com/office/drawing/2014/main" id="{98674230-A733-DCA9-2A40-F1373684B533}"/>
+                <a16:creationId xmlns:a16="http://schemas.microsoft.com/office/drawing/2014/main" id="{BAF4CDBC-1F6B-BF3D-18A2-F053C64C77FE}"/>
               </a:ext>
             </a:extLst>
           </p:cNvPr>
@@ -783,7 +783,7 @@
           <p:cNvPr id="3" name="内容占位符 2">
             <a:extLst>
               <a:ext uri="{FF2B5EF4-FFF2-40B4-BE49-F238E27FC236}">
-                <a16:creationId xmlns:a16="http://schemas.microsoft.com/office/drawing/2014/main" id="{6E272A3D-1859-2795-6DF7-D6731B390C89}"/>
+                <a16:creationId xmlns:a16="http://schemas.microsoft.com/office/drawing/2014/main" id="{1695EDE9-209F-871D-35DB-707299FFF432}"/>
               </a:ext>
             </a:extLst>
           </p:cNvPr>
@@ -840,7 +840,7 @@
           <p:cNvPr id="4" name="日期占位符 3">
             <a:extLst>
               <a:ext uri="{FF2B5EF4-FFF2-40B4-BE49-F238E27FC236}">
-                <a16:creationId xmlns:a16="http://schemas.microsoft.com/office/drawing/2014/main" id="{E7BC5088-4B57-8846-1FC1-2BC22CAAF48B}"/>
+                <a16:creationId xmlns:a16="http://schemas.microsoft.com/office/drawing/2014/main" id="{CA49B03B-5FBA-60DC-FAB1-D6A4CD1D7108}"/>
               </a:ext>
             </a:extLst>
           </p:cNvPr>
@@ -856,7 +856,7 @@
           <a:bodyPr/>
           <a:lstStyle/>
           <a:p>
-            <a:fld id="{9C76D520-7FC2-48E3-A81F-19EBCA95BAE5}" type="datetimeFigureOut">
+            <a:fld id="{67F84D2A-2DC7-4C5F-AEDF-7634F332B82E}" type="datetimeFigureOut">
               <a:rPr lang="zh-CN" altLang="en-US" smtClean="0"/>
               <a:t>2024/3/10</a:t>
             </a:fld>
@@ -869,7 +869,7 @@
           <p:cNvPr id="5" name="页脚占位符 4">
             <a:extLst>
               <a:ext uri="{FF2B5EF4-FFF2-40B4-BE49-F238E27FC236}">
-                <a16:creationId xmlns:a16="http://schemas.microsoft.com/office/drawing/2014/main" id="{07EF259C-50F9-9A79-A5FB-44390FFF5702}"/>
+                <a16:creationId xmlns:a16="http://schemas.microsoft.com/office/drawing/2014/main" id="{C7ECDAF4-F69A-18B1-734C-35E7DC0E747A}"/>
               </a:ext>
             </a:extLst>
           </p:cNvPr>
@@ -894,7 +894,7 @@
           <p:cNvPr id="6" name="灯片编号占位符 5">
             <a:extLst>
               <a:ext uri="{FF2B5EF4-FFF2-40B4-BE49-F238E27FC236}">
-                <a16:creationId xmlns:a16="http://schemas.microsoft.com/office/drawing/2014/main" id="{F9E95B9D-D8DB-89C2-5BF3-8A4D4A710452}"/>
+                <a16:creationId xmlns:a16="http://schemas.microsoft.com/office/drawing/2014/main" id="{EBED729A-50AE-E93E-87DD-586A906D2474}"/>
               </a:ext>
             </a:extLst>
           </p:cNvPr>
@@ -910,7 +910,7 @@
           <a:bodyPr/>
           <a:lstStyle/>
           <a:p>
-            <a:fld id="{A8663CAD-D0F2-42FD-BDFD-41EF8FF4F575}" type="slidenum">
+            <a:fld id="{56E6244B-DCEE-4305-8125-C3E8E1E564E1}" type="slidenum">
               <a:rPr lang="zh-CN" altLang="en-US" smtClean="0"/>
               <a:t>‹#›</a:t>
             </a:fld>
@@ -921,7 +921,7 @@
     </p:spTree>
     <p:extLst>
       <p:ext uri="{BB962C8B-B14F-4D97-AF65-F5344CB8AC3E}">
-        <p14:creationId xmlns:p14="http://schemas.microsoft.com/office/powerpoint/2010/main" val="565618541"/>
+        <p14:creationId xmlns:p14="http://schemas.microsoft.com/office/powerpoint/2010/main" val="1103217185"/>
       </p:ext>
     </p:extLst>
   </p:cSld>
@@ -953,7 +953,7 @@
           <p:cNvPr id="2" name="标题 1">
             <a:extLst>
               <a:ext uri="{FF2B5EF4-FFF2-40B4-BE49-F238E27FC236}">
-                <a16:creationId xmlns:a16="http://schemas.microsoft.com/office/drawing/2014/main" id="{C0454EDE-7F90-2FBE-8471-102F0F52D20F}"/>
+                <a16:creationId xmlns:a16="http://schemas.microsoft.com/office/drawing/2014/main" id="{AC1A2BC1-9F8A-8FAD-E7A6-8AE1D3A8C4E8}"/>
               </a:ext>
             </a:extLst>
           </p:cNvPr>
@@ -990,7 +990,7 @@
           <p:cNvPr id="3" name="文本占位符 2">
             <a:extLst>
               <a:ext uri="{FF2B5EF4-FFF2-40B4-BE49-F238E27FC236}">
-                <a16:creationId xmlns:a16="http://schemas.microsoft.com/office/drawing/2014/main" id="{B3231C7A-C689-9529-5D97-12BF2D0FE47A}"/>
+                <a16:creationId xmlns:a16="http://schemas.microsoft.com/office/drawing/2014/main" id="{DB34982D-7908-2995-CCB0-55D3925C4716}"/>
               </a:ext>
             </a:extLst>
           </p:cNvPr>
@@ -1115,7 +1115,7 @@
           <p:cNvPr id="4" name="日期占位符 3">
             <a:extLst>
               <a:ext uri="{FF2B5EF4-FFF2-40B4-BE49-F238E27FC236}">
-                <a16:creationId xmlns:a16="http://schemas.microsoft.com/office/drawing/2014/main" id="{3C17863C-F45C-E496-DF06-D0B8FB9B80FC}"/>
+                <a16:creationId xmlns:a16="http://schemas.microsoft.com/office/drawing/2014/main" id="{80FEBF35-66C7-A3E4-BF9A-145365FD8BF2}"/>
               </a:ext>
             </a:extLst>
           </p:cNvPr>
@@ -1131,7 +1131,7 @@
           <a:bodyPr/>
           <a:lstStyle/>
           <a:p>
-            <a:fld id="{9C76D520-7FC2-48E3-A81F-19EBCA95BAE5}" type="datetimeFigureOut">
+            <a:fld id="{67F84D2A-2DC7-4C5F-AEDF-7634F332B82E}" type="datetimeFigureOut">
               <a:rPr lang="zh-CN" altLang="en-US" smtClean="0"/>
               <a:t>2024/3/10</a:t>
             </a:fld>
@@ -1144,7 +1144,7 @@
           <p:cNvPr id="5" name="页脚占位符 4">
             <a:extLst>
               <a:ext uri="{FF2B5EF4-FFF2-40B4-BE49-F238E27FC236}">
-                <a16:creationId xmlns:a16="http://schemas.microsoft.com/office/drawing/2014/main" id="{EB5C4433-EABD-C146-B352-D66959B7CD6F}"/>
+                <a16:creationId xmlns:a16="http://schemas.microsoft.com/office/drawing/2014/main" id="{79052E14-7FE3-ECFF-36A8-AEBF39DC31A5}"/>
               </a:ext>
             </a:extLst>
           </p:cNvPr>
@@ -1169,7 +1169,7 @@
           <p:cNvPr id="6" name="灯片编号占位符 5">
             <a:extLst>
               <a:ext uri="{FF2B5EF4-FFF2-40B4-BE49-F238E27FC236}">
-                <a16:creationId xmlns:a16="http://schemas.microsoft.com/office/drawing/2014/main" id="{4E1DB99B-AAA8-ED03-C343-C46CE1AA2603}"/>
+                <a16:creationId xmlns:a16="http://schemas.microsoft.com/office/drawing/2014/main" id="{02FD8E22-9ECD-FF98-0016-3D42B48B10FB}"/>
               </a:ext>
             </a:extLst>
           </p:cNvPr>
@@ -1185,7 +1185,7 @@
           <a:bodyPr/>
           <a:lstStyle/>
           <a:p>
-            <a:fld id="{A8663CAD-D0F2-42FD-BDFD-41EF8FF4F575}" type="slidenum">
+            <a:fld id="{56E6244B-DCEE-4305-8125-C3E8E1E564E1}" type="slidenum">
               <a:rPr lang="zh-CN" altLang="en-US" smtClean="0"/>
               <a:t>‹#›</a:t>
             </a:fld>
@@ -1196,7 +1196,7 @@
     </p:spTree>
     <p:extLst>
       <p:ext uri="{BB962C8B-B14F-4D97-AF65-F5344CB8AC3E}">
-        <p14:creationId xmlns:p14="http://schemas.microsoft.com/office/powerpoint/2010/main" val="2580299944"/>
+        <p14:creationId xmlns:p14="http://schemas.microsoft.com/office/powerpoint/2010/main" val="432739491"/>
       </p:ext>
     </p:extLst>
   </p:cSld>
@@ -1228,7 +1228,7 @@
           <p:cNvPr id="2" name="标题 1">
             <a:extLst>
               <a:ext uri="{FF2B5EF4-FFF2-40B4-BE49-F238E27FC236}">
-                <a16:creationId xmlns:a16="http://schemas.microsoft.com/office/drawing/2014/main" id="{8141BD91-2D64-0819-4AD1-D0AA95D59E85}"/>
+                <a16:creationId xmlns:a16="http://schemas.microsoft.com/office/drawing/2014/main" id="{36804052-96C6-634D-F8BA-C21D98D378B4}"/>
               </a:ext>
             </a:extLst>
           </p:cNvPr>
@@ -1256,7 +1256,7 @@
           <p:cNvPr id="3" name="内容占位符 2">
             <a:extLst>
               <a:ext uri="{FF2B5EF4-FFF2-40B4-BE49-F238E27FC236}">
-                <a16:creationId xmlns:a16="http://schemas.microsoft.com/office/drawing/2014/main" id="{A671825A-E9E7-A5A6-EB37-2F9689FCE581}"/>
+                <a16:creationId xmlns:a16="http://schemas.microsoft.com/office/drawing/2014/main" id="{034E870B-65DD-2B4E-B699-47845D0A5886}"/>
               </a:ext>
             </a:extLst>
           </p:cNvPr>
@@ -1318,7 +1318,7 @@
           <p:cNvPr id="4" name="内容占位符 3">
             <a:extLst>
               <a:ext uri="{FF2B5EF4-FFF2-40B4-BE49-F238E27FC236}">
-                <a16:creationId xmlns:a16="http://schemas.microsoft.com/office/drawing/2014/main" id="{76B7DAC1-09FE-FB5E-BE04-35AD3E42AF9A}"/>
+                <a16:creationId xmlns:a16="http://schemas.microsoft.com/office/drawing/2014/main" id="{5E85D1A6-8D6D-FE82-82D0-C12C2B69F408}"/>
               </a:ext>
             </a:extLst>
           </p:cNvPr>
@@ -1380,7 +1380,7 @@
           <p:cNvPr id="5" name="日期占位符 4">
             <a:extLst>
               <a:ext uri="{FF2B5EF4-FFF2-40B4-BE49-F238E27FC236}">
-                <a16:creationId xmlns:a16="http://schemas.microsoft.com/office/drawing/2014/main" id="{013128DD-46CD-06EE-1EF6-5E46457DE8C1}"/>
+                <a16:creationId xmlns:a16="http://schemas.microsoft.com/office/drawing/2014/main" id="{1EF53F1C-41E8-5FA6-DE93-CD17393D0292}"/>
               </a:ext>
             </a:extLst>
           </p:cNvPr>
@@ -1396,7 +1396,7 @@
           <a:bodyPr/>
           <a:lstStyle/>
           <a:p>
-            <a:fld id="{9C76D520-7FC2-48E3-A81F-19EBCA95BAE5}" type="datetimeFigureOut">
+            <a:fld id="{67F84D2A-2DC7-4C5F-AEDF-7634F332B82E}" type="datetimeFigureOut">
               <a:rPr lang="zh-CN" altLang="en-US" smtClean="0"/>
               <a:t>2024/3/10</a:t>
             </a:fld>
@@ -1409,7 +1409,7 @@
           <p:cNvPr id="6" name="页脚占位符 5">
             <a:extLst>
               <a:ext uri="{FF2B5EF4-FFF2-40B4-BE49-F238E27FC236}">
-                <a16:creationId xmlns:a16="http://schemas.microsoft.com/office/drawing/2014/main" id="{25E34689-5F2F-5508-9DA5-CC3E6AAED457}"/>
+                <a16:creationId xmlns:a16="http://schemas.microsoft.com/office/drawing/2014/main" id="{21DEB813-0B9C-B97F-2674-343D484B4F56}"/>
               </a:ext>
             </a:extLst>
           </p:cNvPr>
@@ -1434,7 +1434,7 @@
           <p:cNvPr id="7" name="灯片编号占位符 6">
             <a:extLst>
               <a:ext uri="{FF2B5EF4-FFF2-40B4-BE49-F238E27FC236}">
-                <a16:creationId xmlns:a16="http://schemas.microsoft.com/office/drawing/2014/main" id="{14E540E6-D751-5906-9061-3782ABD67A07}"/>
+                <a16:creationId xmlns:a16="http://schemas.microsoft.com/office/drawing/2014/main" id="{F976C5B0-09D1-5E53-1BB1-7288012036EF}"/>
               </a:ext>
             </a:extLst>
           </p:cNvPr>
@@ -1450,7 +1450,7 @@
           <a:bodyPr/>
           <a:lstStyle/>
           <a:p>
-            <a:fld id="{A8663CAD-D0F2-42FD-BDFD-41EF8FF4F575}" type="slidenum">
+            <a:fld id="{56E6244B-DCEE-4305-8125-C3E8E1E564E1}" type="slidenum">
               <a:rPr lang="zh-CN" altLang="en-US" smtClean="0"/>
               <a:t>‹#›</a:t>
             </a:fld>
@@ -1461,7 +1461,7 @@
     </p:spTree>
     <p:extLst>
       <p:ext uri="{BB962C8B-B14F-4D97-AF65-F5344CB8AC3E}">
-        <p14:creationId xmlns:p14="http://schemas.microsoft.com/office/powerpoint/2010/main" val="2025601314"/>
+        <p14:creationId xmlns:p14="http://schemas.microsoft.com/office/powerpoint/2010/main" val="1631747125"/>
       </p:ext>
     </p:extLst>
   </p:cSld>
@@ -1493,7 +1493,7 @@
           <p:cNvPr id="2" name="标题 1">
             <a:extLst>
               <a:ext uri="{FF2B5EF4-FFF2-40B4-BE49-F238E27FC236}">
-                <a16:creationId xmlns:a16="http://schemas.microsoft.com/office/drawing/2014/main" id="{DE5E285A-1B89-C3AB-3FF6-8800774D7003}"/>
+                <a16:creationId xmlns:a16="http://schemas.microsoft.com/office/drawing/2014/main" id="{1E02263E-4C58-1A1A-5A02-8B5F458128DE}"/>
               </a:ext>
             </a:extLst>
           </p:cNvPr>
@@ -1526,7 +1526,7 @@
           <p:cNvPr id="3" name="文本占位符 2">
             <a:extLst>
               <a:ext uri="{FF2B5EF4-FFF2-40B4-BE49-F238E27FC236}">
-                <a16:creationId xmlns:a16="http://schemas.microsoft.com/office/drawing/2014/main" id="{BF784368-5558-3C44-41BA-715A48F74E14}"/>
+                <a16:creationId xmlns:a16="http://schemas.microsoft.com/office/drawing/2014/main" id="{4273F8F1-B09F-A612-557E-4EEEA3895F24}"/>
               </a:ext>
             </a:extLst>
           </p:cNvPr>
@@ -1597,7 +1597,7 @@
           <p:cNvPr id="4" name="内容占位符 3">
             <a:extLst>
               <a:ext uri="{FF2B5EF4-FFF2-40B4-BE49-F238E27FC236}">
-                <a16:creationId xmlns:a16="http://schemas.microsoft.com/office/drawing/2014/main" id="{508155A8-7A0C-6CE0-7196-7E47D5361236}"/>
+                <a16:creationId xmlns:a16="http://schemas.microsoft.com/office/drawing/2014/main" id="{332A35E4-A31B-C948-B808-6142DF16CD47}"/>
               </a:ext>
             </a:extLst>
           </p:cNvPr>
@@ -1659,7 +1659,7 @@
           <p:cNvPr id="5" name="文本占位符 4">
             <a:extLst>
               <a:ext uri="{FF2B5EF4-FFF2-40B4-BE49-F238E27FC236}">
-                <a16:creationId xmlns:a16="http://schemas.microsoft.com/office/drawing/2014/main" id="{EF3A2128-28D9-DFD9-483A-E2B6D16E6858}"/>
+                <a16:creationId xmlns:a16="http://schemas.microsoft.com/office/drawing/2014/main" id="{8D5AA55F-AE32-E85D-4C25-2DA3C387B8AC}"/>
               </a:ext>
             </a:extLst>
           </p:cNvPr>
@@ -1730,7 +1730,7 @@
           <p:cNvPr id="6" name="内容占位符 5">
             <a:extLst>
               <a:ext uri="{FF2B5EF4-FFF2-40B4-BE49-F238E27FC236}">
-                <a16:creationId xmlns:a16="http://schemas.microsoft.com/office/drawing/2014/main" id="{03136887-AFBC-CD64-27C7-6BE7A49EE814}"/>
+                <a16:creationId xmlns:a16="http://schemas.microsoft.com/office/drawing/2014/main" id="{EEDABC0C-FBE5-53BB-95E1-9C7E79C3D7C1}"/>
               </a:ext>
             </a:extLst>
           </p:cNvPr>
@@ -1792,7 +1792,7 @@
           <p:cNvPr id="7" name="日期占位符 6">
             <a:extLst>
               <a:ext uri="{FF2B5EF4-FFF2-40B4-BE49-F238E27FC236}">
-                <a16:creationId xmlns:a16="http://schemas.microsoft.com/office/drawing/2014/main" id="{DC6A66F9-A23C-BCB8-5FB1-CA4140BA1B3F}"/>
+                <a16:creationId xmlns:a16="http://schemas.microsoft.com/office/drawing/2014/main" id="{E3F7FD52-E02E-6316-74B1-CB572C79A7AF}"/>
               </a:ext>
             </a:extLst>
           </p:cNvPr>
@@ -1808,7 +1808,7 @@
           <a:bodyPr/>
           <a:lstStyle/>
           <a:p>
-            <a:fld id="{9C76D520-7FC2-48E3-A81F-19EBCA95BAE5}" type="datetimeFigureOut">
+            <a:fld id="{67F84D2A-2DC7-4C5F-AEDF-7634F332B82E}" type="datetimeFigureOut">
               <a:rPr lang="zh-CN" altLang="en-US" smtClean="0"/>
               <a:t>2024/3/10</a:t>
             </a:fld>
@@ -1821,7 +1821,7 @@
           <p:cNvPr id="8" name="页脚占位符 7">
             <a:extLst>
               <a:ext uri="{FF2B5EF4-FFF2-40B4-BE49-F238E27FC236}">
-                <a16:creationId xmlns:a16="http://schemas.microsoft.com/office/drawing/2014/main" id="{D49AD13D-D091-B8CA-A3D9-B5D2A1EDDB6E}"/>
+                <a16:creationId xmlns:a16="http://schemas.microsoft.com/office/drawing/2014/main" id="{B6C2759E-0409-D121-8B76-CEC6BD57061C}"/>
               </a:ext>
             </a:extLst>
           </p:cNvPr>
@@ -1846,7 +1846,7 @@
           <p:cNvPr id="9" name="灯片编号占位符 8">
             <a:extLst>
               <a:ext uri="{FF2B5EF4-FFF2-40B4-BE49-F238E27FC236}">
-                <a16:creationId xmlns:a16="http://schemas.microsoft.com/office/drawing/2014/main" id="{AC3C5D49-8704-1CB6-3E15-E8943BE0F364}"/>
+                <a16:creationId xmlns:a16="http://schemas.microsoft.com/office/drawing/2014/main" id="{6B230D97-A221-1D91-F483-64CD0C1B0DEA}"/>
               </a:ext>
             </a:extLst>
           </p:cNvPr>
@@ -1862,7 +1862,7 @@
           <a:bodyPr/>
           <a:lstStyle/>
           <a:p>
-            <a:fld id="{A8663CAD-D0F2-42FD-BDFD-41EF8FF4F575}" type="slidenum">
+            <a:fld id="{56E6244B-DCEE-4305-8125-C3E8E1E564E1}" type="slidenum">
               <a:rPr lang="zh-CN" altLang="en-US" smtClean="0"/>
               <a:t>‹#›</a:t>
             </a:fld>
@@ -1873,7 +1873,7 @@
     </p:spTree>
     <p:extLst>
       <p:ext uri="{BB962C8B-B14F-4D97-AF65-F5344CB8AC3E}">
-        <p14:creationId xmlns:p14="http://schemas.microsoft.com/office/powerpoint/2010/main" val="3288898944"/>
+        <p14:creationId xmlns:p14="http://schemas.microsoft.com/office/powerpoint/2010/main" val="3755467319"/>
       </p:ext>
     </p:extLst>
   </p:cSld>
@@ -1905,7 +1905,7 @@
           <p:cNvPr id="2" name="标题 1">
             <a:extLst>
               <a:ext uri="{FF2B5EF4-FFF2-40B4-BE49-F238E27FC236}">
-                <a16:creationId xmlns:a16="http://schemas.microsoft.com/office/drawing/2014/main" id="{FACDCA8B-5727-2CB1-73D9-CF0391ECE9CC}"/>
+                <a16:creationId xmlns:a16="http://schemas.microsoft.com/office/drawing/2014/main" id="{29AD8C6F-9B80-9B2B-F8FF-AB8DD28AD016}"/>
               </a:ext>
             </a:extLst>
           </p:cNvPr>
@@ -1933,7 +1933,7 @@
           <p:cNvPr id="3" name="日期占位符 2">
             <a:extLst>
               <a:ext uri="{FF2B5EF4-FFF2-40B4-BE49-F238E27FC236}">
-                <a16:creationId xmlns:a16="http://schemas.microsoft.com/office/drawing/2014/main" id="{4D7ED2A6-5456-9C43-6BB1-ACA7311D0F4A}"/>
+                <a16:creationId xmlns:a16="http://schemas.microsoft.com/office/drawing/2014/main" id="{739A95DE-3077-055F-532C-4293AA238846}"/>
               </a:ext>
             </a:extLst>
           </p:cNvPr>
@@ -1949,7 +1949,7 @@
           <a:bodyPr/>
           <a:lstStyle/>
           <a:p>
-            <a:fld id="{9C76D520-7FC2-48E3-A81F-19EBCA95BAE5}" type="datetimeFigureOut">
+            <a:fld id="{67F84D2A-2DC7-4C5F-AEDF-7634F332B82E}" type="datetimeFigureOut">
               <a:rPr lang="zh-CN" altLang="en-US" smtClean="0"/>
               <a:t>2024/3/10</a:t>
             </a:fld>
@@ -1962,7 +1962,7 @@
           <p:cNvPr id="4" name="页脚占位符 3">
             <a:extLst>
               <a:ext uri="{FF2B5EF4-FFF2-40B4-BE49-F238E27FC236}">
-                <a16:creationId xmlns:a16="http://schemas.microsoft.com/office/drawing/2014/main" id="{16975CE2-29F2-DF20-DA0D-5BC75766C2F3}"/>
+                <a16:creationId xmlns:a16="http://schemas.microsoft.com/office/drawing/2014/main" id="{42F29C8C-E744-34EB-B4F5-2EC7416E7319}"/>
               </a:ext>
             </a:extLst>
           </p:cNvPr>
@@ -1987,7 +1987,7 @@
           <p:cNvPr id="5" name="灯片编号占位符 4">
             <a:extLst>
               <a:ext uri="{FF2B5EF4-FFF2-40B4-BE49-F238E27FC236}">
-                <a16:creationId xmlns:a16="http://schemas.microsoft.com/office/drawing/2014/main" id="{40C0A8FE-BFB2-F5A9-D104-85A9FBB15CB0}"/>
+                <a16:creationId xmlns:a16="http://schemas.microsoft.com/office/drawing/2014/main" id="{B808C595-E139-BC32-B958-54844CBFACA9}"/>
               </a:ext>
             </a:extLst>
           </p:cNvPr>
@@ -2003,7 +2003,7 @@
           <a:bodyPr/>
           <a:lstStyle/>
           <a:p>
-            <a:fld id="{A8663CAD-D0F2-42FD-BDFD-41EF8FF4F575}" type="slidenum">
+            <a:fld id="{56E6244B-DCEE-4305-8125-C3E8E1E564E1}" type="slidenum">
               <a:rPr lang="zh-CN" altLang="en-US" smtClean="0"/>
               <a:t>‹#›</a:t>
             </a:fld>
@@ -2014,7 +2014,7 @@
     </p:spTree>
     <p:extLst>
       <p:ext uri="{BB962C8B-B14F-4D97-AF65-F5344CB8AC3E}">
-        <p14:creationId xmlns:p14="http://schemas.microsoft.com/office/powerpoint/2010/main" val="3034810371"/>
+        <p14:creationId xmlns:p14="http://schemas.microsoft.com/office/powerpoint/2010/main" val="785674219"/>
       </p:ext>
     </p:extLst>
   </p:cSld>
@@ -2046,7 +2046,7 @@
           <p:cNvPr id="2" name="日期占位符 1">
             <a:extLst>
               <a:ext uri="{FF2B5EF4-FFF2-40B4-BE49-F238E27FC236}">
-                <a16:creationId xmlns:a16="http://schemas.microsoft.com/office/drawing/2014/main" id="{854F8607-594B-C4CA-FE2B-BCB15F559331}"/>
+                <a16:creationId xmlns:a16="http://schemas.microsoft.com/office/drawing/2014/main" id="{88B2277E-2CE1-4C17-776D-14CEF52BF7F9}"/>
               </a:ext>
             </a:extLst>
           </p:cNvPr>
@@ -2062,7 +2062,7 @@
           <a:bodyPr/>
           <a:lstStyle/>
           <a:p>
-            <a:fld id="{9C76D520-7FC2-48E3-A81F-19EBCA95BAE5}" type="datetimeFigureOut">
+            <a:fld id="{67F84D2A-2DC7-4C5F-AEDF-7634F332B82E}" type="datetimeFigureOut">
               <a:rPr lang="zh-CN" altLang="en-US" smtClean="0"/>
               <a:t>2024/3/10</a:t>
             </a:fld>
@@ -2075,7 +2075,7 @@
           <p:cNvPr id="3" name="页脚占位符 2">
             <a:extLst>
               <a:ext uri="{FF2B5EF4-FFF2-40B4-BE49-F238E27FC236}">
-                <a16:creationId xmlns:a16="http://schemas.microsoft.com/office/drawing/2014/main" id="{A2D86987-0ADE-158B-E023-FD446A25EADE}"/>
+                <a16:creationId xmlns:a16="http://schemas.microsoft.com/office/drawing/2014/main" id="{7C18574C-D06C-56A6-554B-6A0CD6F01433}"/>
               </a:ext>
             </a:extLst>
           </p:cNvPr>
@@ -2100,7 +2100,7 @@
           <p:cNvPr id="4" name="灯片编号占位符 3">
             <a:extLst>
               <a:ext uri="{FF2B5EF4-FFF2-40B4-BE49-F238E27FC236}">
-                <a16:creationId xmlns:a16="http://schemas.microsoft.com/office/drawing/2014/main" id="{41601F69-2E11-3622-0935-F5FA865AA430}"/>
+                <a16:creationId xmlns:a16="http://schemas.microsoft.com/office/drawing/2014/main" id="{AAD34154-59F0-EF3B-917F-3B6D56B73D4A}"/>
               </a:ext>
             </a:extLst>
           </p:cNvPr>
@@ -2116,7 +2116,7 @@
           <a:bodyPr/>
           <a:lstStyle/>
           <a:p>
-            <a:fld id="{A8663CAD-D0F2-42FD-BDFD-41EF8FF4F575}" type="slidenum">
+            <a:fld id="{56E6244B-DCEE-4305-8125-C3E8E1E564E1}" type="slidenum">
               <a:rPr lang="zh-CN" altLang="en-US" smtClean="0"/>
               <a:t>‹#›</a:t>
             </a:fld>
@@ -2127,7 +2127,7 @@
     </p:spTree>
     <p:extLst>
       <p:ext uri="{BB962C8B-B14F-4D97-AF65-F5344CB8AC3E}">
-        <p14:creationId xmlns:p14="http://schemas.microsoft.com/office/powerpoint/2010/main" val="1589800701"/>
+        <p14:creationId xmlns:p14="http://schemas.microsoft.com/office/powerpoint/2010/main" val="3959163767"/>
       </p:ext>
     </p:extLst>
   </p:cSld>
@@ -2159,7 +2159,7 @@
           <p:cNvPr id="2" name="标题 1">
             <a:extLst>
               <a:ext uri="{FF2B5EF4-FFF2-40B4-BE49-F238E27FC236}">
-                <a16:creationId xmlns:a16="http://schemas.microsoft.com/office/drawing/2014/main" id="{051EE7BC-8413-B021-3A6D-43C15D2EDC43}"/>
+                <a16:creationId xmlns:a16="http://schemas.microsoft.com/office/drawing/2014/main" id="{7B7DBA67-F629-16C6-6647-30A27FBA5422}"/>
               </a:ext>
             </a:extLst>
           </p:cNvPr>
@@ -2196,7 +2196,7 @@
           <p:cNvPr id="3" name="内容占位符 2">
             <a:extLst>
               <a:ext uri="{FF2B5EF4-FFF2-40B4-BE49-F238E27FC236}">
-                <a16:creationId xmlns:a16="http://schemas.microsoft.com/office/drawing/2014/main" id="{0D765D59-191B-DB3D-FFBF-D5749F216B6E}"/>
+                <a16:creationId xmlns:a16="http://schemas.microsoft.com/office/drawing/2014/main" id="{EC478076-7291-9B38-3512-356EE4D6FD79}"/>
               </a:ext>
             </a:extLst>
           </p:cNvPr>
@@ -2286,7 +2286,7 @@
           <p:cNvPr id="4" name="文本占位符 3">
             <a:extLst>
               <a:ext uri="{FF2B5EF4-FFF2-40B4-BE49-F238E27FC236}">
-                <a16:creationId xmlns:a16="http://schemas.microsoft.com/office/drawing/2014/main" id="{868A6F31-909E-A142-566A-EE9F76E36362}"/>
+                <a16:creationId xmlns:a16="http://schemas.microsoft.com/office/drawing/2014/main" id="{EC8F24FF-DE35-B330-CD02-BE67CD69A31C}"/>
               </a:ext>
             </a:extLst>
           </p:cNvPr>
@@ -2357,7 +2357,7 @@
           <p:cNvPr id="5" name="日期占位符 4">
             <a:extLst>
               <a:ext uri="{FF2B5EF4-FFF2-40B4-BE49-F238E27FC236}">
-                <a16:creationId xmlns:a16="http://schemas.microsoft.com/office/drawing/2014/main" id="{CACCE46A-558F-AD8C-0AAA-CA15115E10E8}"/>
+                <a16:creationId xmlns:a16="http://schemas.microsoft.com/office/drawing/2014/main" id="{E3572A50-AF11-9BC5-FFB9-4EDA7659E717}"/>
               </a:ext>
             </a:extLst>
           </p:cNvPr>
@@ -2373,7 +2373,7 @@
           <a:bodyPr/>
           <a:lstStyle/>
           <a:p>
-            <a:fld id="{9C76D520-7FC2-48E3-A81F-19EBCA95BAE5}" type="datetimeFigureOut">
+            <a:fld id="{67F84D2A-2DC7-4C5F-AEDF-7634F332B82E}" type="datetimeFigureOut">
               <a:rPr lang="zh-CN" altLang="en-US" smtClean="0"/>
               <a:t>2024/3/10</a:t>
             </a:fld>
@@ -2386,7 +2386,7 @@
           <p:cNvPr id="6" name="页脚占位符 5">
             <a:extLst>
               <a:ext uri="{FF2B5EF4-FFF2-40B4-BE49-F238E27FC236}">
-                <a16:creationId xmlns:a16="http://schemas.microsoft.com/office/drawing/2014/main" id="{991AE49D-2C35-5DDF-E0E1-B02163A7397D}"/>
+                <a16:creationId xmlns:a16="http://schemas.microsoft.com/office/drawing/2014/main" id="{8B13267A-3345-5BFA-DC85-FD455185AACC}"/>
               </a:ext>
             </a:extLst>
           </p:cNvPr>
@@ -2411,7 +2411,7 @@
           <p:cNvPr id="7" name="灯片编号占位符 6">
             <a:extLst>
               <a:ext uri="{FF2B5EF4-FFF2-40B4-BE49-F238E27FC236}">
-                <a16:creationId xmlns:a16="http://schemas.microsoft.com/office/drawing/2014/main" id="{C195793F-1000-3C1D-C7C9-704CC6D0A1B3}"/>
+                <a16:creationId xmlns:a16="http://schemas.microsoft.com/office/drawing/2014/main" id="{A046EBB1-6215-CF08-265A-5EBDBAE4BBB7}"/>
               </a:ext>
             </a:extLst>
           </p:cNvPr>
@@ -2427,7 +2427,7 @@
           <a:bodyPr/>
           <a:lstStyle/>
           <a:p>
-            <a:fld id="{A8663CAD-D0F2-42FD-BDFD-41EF8FF4F575}" type="slidenum">
+            <a:fld id="{56E6244B-DCEE-4305-8125-C3E8E1E564E1}" type="slidenum">
               <a:rPr lang="zh-CN" altLang="en-US" smtClean="0"/>
               <a:t>‹#›</a:t>
             </a:fld>
@@ -2438,7 +2438,7 @@
     </p:spTree>
     <p:extLst>
       <p:ext uri="{BB962C8B-B14F-4D97-AF65-F5344CB8AC3E}">
-        <p14:creationId xmlns:p14="http://schemas.microsoft.com/office/powerpoint/2010/main" val="1407224863"/>
+        <p14:creationId xmlns:p14="http://schemas.microsoft.com/office/powerpoint/2010/main" val="2572446584"/>
       </p:ext>
     </p:extLst>
   </p:cSld>
@@ -2470,7 +2470,7 @@
           <p:cNvPr id="2" name="标题 1">
             <a:extLst>
               <a:ext uri="{FF2B5EF4-FFF2-40B4-BE49-F238E27FC236}">
-                <a16:creationId xmlns:a16="http://schemas.microsoft.com/office/drawing/2014/main" id="{4534B4AA-67C8-649C-5701-215189F44E8D}"/>
+                <a16:creationId xmlns:a16="http://schemas.microsoft.com/office/drawing/2014/main" id="{B1A967F3-AD28-B181-474F-76947D3C59F6}"/>
               </a:ext>
             </a:extLst>
           </p:cNvPr>
@@ -2507,7 +2507,7 @@
           <p:cNvPr id="3" name="图片占位符 2">
             <a:extLst>
               <a:ext uri="{FF2B5EF4-FFF2-40B4-BE49-F238E27FC236}">
-                <a16:creationId xmlns:a16="http://schemas.microsoft.com/office/drawing/2014/main" id="{3BDA041B-23B2-8776-FC4E-3014302CDD80}"/>
+                <a16:creationId xmlns:a16="http://schemas.microsoft.com/office/drawing/2014/main" id="{A5177730-37FC-0F38-B4B6-947DFD4813AB}"/>
               </a:ext>
             </a:extLst>
           </p:cNvPr>
@@ -2574,7 +2574,7 @@
           <p:cNvPr id="4" name="文本占位符 3">
             <a:extLst>
               <a:ext uri="{FF2B5EF4-FFF2-40B4-BE49-F238E27FC236}">
-                <a16:creationId xmlns:a16="http://schemas.microsoft.com/office/drawing/2014/main" id="{6C88A0D1-C4CF-2B0B-E42F-D6519F2CFF75}"/>
+                <a16:creationId xmlns:a16="http://schemas.microsoft.com/office/drawing/2014/main" id="{1A43E900-7BAD-AA67-030B-6578224F673F}"/>
               </a:ext>
             </a:extLst>
           </p:cNvPr>
@@ -2645,7 +2645,7 @@
           <p:cNvPr id="5" name="日期占位符 4">
             <a:extLst>
               <a:ext uri="{FF2B5EF4-FFF2-40B4-BE49-F238E27FC236}">
-                <a16:creationId xmlns:a16="http://schemas.microsoft.com/office/drawing/2014/main" id="{BA90AD75-0D42-2438-0AED-A1E8232248EB}"/>
+                <a16:creationId xmlns:a16="http://schemas.microsoft.com/office/drawing/2014/main" id="{78A8E0CF-C0B2-F3B9-FCCB-4DB8CB2F4C45}"/>
               </a:ext>
             </a:extLst>
           </p:cNvPr>
@@ -2661,7 +2661,7 @@
           <a:bodyPr/>
           <a:lstStyle/>
           <a:p>
-            <a:fld id="{9C76D520-7FC2-48E3-A81F-19EBCA95BAE5}" type="datetimeFigureOut">
+            <a:fld id="{67F84D2A-2DC7-4C5F-AEDF-7634F332B82E}" type="datetimeFigureOut">
               <a:rPr lang="zh-CN" altLang="en-US" smtClean="0"/>
               <a:t>2024/3/10</a:t>
             </a:fld>
@@ -2674,7 +2674,7 @@
           <p:cNvPr id="6" name="页脚占位符 5">
             <a:extLst>
               <a:ext uri="{FF2B5EF4-FFF2-40B4-BE49-F238E27FC236}">
-                <a16:creationId xmlns:a16="http://schemas.microsoft.com/office/drawing/2014/main" id="{3CA1A7FB-A0F6-EE17-81BB-08D1D1F3B8CC}"/>
+                <a16:creationId xmlns:a16="http://schemas.microsoft.com/office/drawing/2014/main" id="{8F8395C5-90CD-1DBA-2046-FE55352BE786}"/>
               </a:ext>
             </a:extLst>
           </p:cNvPr>
@@ -2699,7 +2699,7 @@
           <p:cNvPr id="7" name="灯片编号占位符 6">
             <a:extLst>
               <a:ext uri="{FF2B5EF4-FFF2-40B4-BE49-F238E27FC236}">
-                <a16:creationId xmlns:a16="http://schemas.microsoft.com/office/drawing/2014/main" id="{6F8AA0BD-2198-BBE3-10DF-92D22A6FC30D}"/>
+                <a16:creationId xmlns:a16="http://schemas.microsoft.com/office/drawing/2014/main" id="{A9E93F38-5DE3-1BC6-A8B9-954F04B4C726}"/>
               </a:ext>
             </a:extLst>
           </p:cNvPr>
@@ -2715,7 +2715,7 @@
           <a:bodyPr/>
           <a:lstStyle/>
           <a:p>
-            <a:fld id="{A8663CAD-D0F2-42FD-BDFD-41EF8FF4F575}" type="slidenum">
+            <a:fld id="{56E6244B-DCEE-4305-8125-C3E8E1E564E1}" type="slidenum">
               <a:rPr lang="zh-CN" altLang="en-US" smtClean="0"/>
               <a:t>‹#›</a:t>
             </a:fld>
@@ -2726,7 +2726,7 @@
     </p:spTree>
     <p:extLst>
       <p:ext uri="{BB962C8B-B14F-4D97-AF65-F5344CB8AC3E}">
-        <p14:creationId xmlns:p14="http://schemas.microsoft.com/office/powerpoint/2010/main" val="4142796348"/>
+        <p14:creationId xmlns:p14="http://schemas.microsoft.com/office/powerpoint/2010/main" val="692144844"/>
       </p:ext>
     </p:extLst>
   </p:cSld>
@@ -2763,7 +2763,7 @@
           <p:cNvPr id="2" name="标题占位符 1">
             <a:extLst>
               <a:ext uri="{FF2B5EF4-FFF2-40B4-BE49-F238E27FC236}">
-                <a16:creationId xmlns:a16="http://schemas.microsoft.com/office/drawing/2014/main" id="{43D9E089-ACA1-7B21-0A21-28C854FE3DAB}"/>
+                <a16:creationId xmlns:a16="http://schemas.microsoft.com/office/drawing/2014/main" id="{15FA82B5-B811-0113-F929-1EB39C9A3CFF}"/>
               </a:ext>
             </a:extLst>
           </p:cNvPr>
@@ -2801,7 +2801,7 @@
           <p:cNvPr id="3" name="文本占位符 2">
             <a:extLst>
               <a:ext uri="{FF2B5EF4-FFF2-40B4-BE49-F238E27FC236}">
-                <a16:creationId xmlns:a16="http://schemas.microsoft.com/office/drawing/2014/main" id="{3FD863A2-FB5D-EA30-E801-0CF74429BA55}"/>
+                <a16:creationId xmlns:a16="http://schemas.microsoft.com/office/drawing/2014/main" id="{284762BF-B0F5-A0BD-979A-5D93499D7354}"/>
               </a:ext>
             </a:extLst>
           </p:cNvPr>
@@ -2868,7 +2868,7 @@
           <p:cNvPr id="4" name="日期占位符 3">
             <a:extLst>
               <a:ext uri="{FF2B5EF4-FFF2-40B4-BE49-F238E27FC236}">
-                <a16:creationId xmlns:a16="http://schemas.microsoft.com/office/drawing/2014/main" id="{C1E2B3E8-9940-B6C7-2085-B2821AD62BE9}"/>
+                <a16:creationId xmlns:a16="http://schemas.microsoft.com/office/drawing/2014/main" id="{D0B598A7-4E4C-0E11-E9AD-7F172AFC3053}"/>
               </a:ext>
             </a:extLst>
           </p:cNvPr>
@@ -2902,7 +2902,7 @@
             </a:lvl1pPr>
           </a:lstStyle>
           <a:p>
-            <a:fld id="{9C76D520-7FC2-48E3-A81F-19EBCA95BAE5}" type="datetimeFigureOut">
+            <a:fld id="{67F84D2A-2DC7-4C5F-AEDF-7634F332B82E}" type="datetimeFigureOut">
               <a:rPr lang="zh-CN" altLang="en-US" smtClean="0"/>
               <a:t>2024/3/10</a:t>
             </a:fld>
@@ -2915,7 +2915,7 @@
           <p:cNvPr id="5" name="页脚占位符 4">
             <a:extLst>
               <a:ext uri="{FF2B5EF4-FFF2-40B4-BE49-F238E27FC236}">
-                <a16:creationId xmlns:a16="http://schemas.microsoft.com/office/drawing/2014/main" id="{238F55AA-37DA-3522-CB72-F4B088B1AA28}"/>
+                <a16:creationId xmlns:a16="http://schemas.microsoft.com/office/drawing/2014/main" id="{A4FE9B2B-1D20-9757-291A-9BBE03AE3210}"/>
               </a:ext>
             </a:extLst>
           </p:cNvPr>
@@ -2958,7 +2958,7 @@
           <p:cNvPr id="6" name="灯片编号占位符 5">
             <a:extLst>
               <a:ext uri="{FF2B5EF4-FFF2-40B4-BE49-F238E27FC236}">
-                <a16:creationId xmlns:a16="http://schemas.microsoft.com/office/drawing/2014/main" id="{404D115D-89B4-A883-FF51-0258B367C6EB}"/>
+                <a16:creationId xmlns:a16="http://schemas.microsoft.com/office/drawing/2014/main" id="{C2C00BCD-0D7A-79C2-360B-E721C43E710F}"/>
               </a:ext>
             </a:extLst>
           </p:cNvPr>
@@ -2992,7 +2992,7 @@
             </a:lvl1pPr>
           </a:lstStyle>
           <a:p>
-            <a:fld id="{A8663CAD-D0F2-42FD-BDFD-41EF8FF4F575}" type="slidenum">
+            <a:fld id="{56E6244B-DCEE-4305-8125-C3E8E1E564E1}" type="slidenum">
               <a:rPr lang="zh-CN" altLang="en-US" smtClean="0"/>
               <a:t>‹#›</a:t>
             </a:fld>
@@ -3003,7 +3003,7 @@
     </p:spTree>
     <p:extLst>
       <p:ext uri="{BB962C8B-B14F-4D97-AF65-F5344CB8AC3E}">
-        <p14:creationId xmlns:p14="http://schemas.microsoft.com/office/powerpoint/2010/main" val="2161037012"/>
+        <p14:creationId xmlns:p14="http://schemas.microsoft.com/office/powerpoint/2010/main" val="1868474592"/>
       </p:ext>
     </p:extLst>
   </p:cSld>
@@ -3323,7 +3323,7 @@
       </p:grpSpPr>
       <p:pic>
         <p:nvPicPr>
-          <p:cNvPr id="1465346" name="Picture 2" descr="1430"/>
+          <p:cNvPr id="1466370" name="Picture 2" descr="1431"/>
           <p:cNvPicPr>
             <a:picLocks noChangeAspect="1" noChangeArrowheads="1"/>
           </p:cNvPicPr>
@@ -3345,7 +3345,7 @@
         <p:spPr bwMode="auto">
           <a:xfrm>
             <a:off x="1524000" y="1"/>
-            <a:ext cx="9144000" cy="4221163"/>
+            <a:ext cx="9124950" cy="6843713"/>
           </a:xfrm>
           <a:prstGeom prst="rect">
             <a:avLst/>
